--- a/Documents/PhainiksPrez.pptx
+++ b/Documents/PhainiksPrez.pptx
@@ -267,7 +267,7 @@
           <a:p>
             <a:fld id="{FE0551F4-6C62-42E5-A562-C69B050529F5}" type="datetimeFigureOut">
               <a:rPr lang="fr-FR" smtClean="0"/>
-              <a:t>26/02/2022</a:t>
+              <a:t>27/02/2022</a:t>
             </a:fld>
             <a:endParaRPr lang="fr-FR"/>
           </a:p>
@@ -465,7 +465,7 @@
           <a:p>
             <a:fld id="{FE0551F4-6C62-42E5-A562-C69B050529F5}" type="datetimeFigureOut">
               <a:rPr lang="fr-FR" smtClean="0"/>
-              <a:t>26/02/2022</a:t>
+              <a:t>27/02/2022</a:t>
             </a:fld>
             <a:endParaRPr lang="fr-FR"/>
           </a:p>
@@ -673,7 +673,7 @@
           <a:p>
             <a:fld id="{FE0551F4-6C62-42E5-A562-C69B050529F5}" type="datetimeFigureOut">
               <a:rPr lang="fr-FR" smtClean="0"/>
-              <a:t>26/02/2022</a:t>
+              <a:t>27/02/2022</a:t>
             </a:fld>
             <a:endParaRPr lang="fr-FR"/>
           </a:p>
@@ -871,7 +871,7 @@
           <a:p>
             <a:fld id="{FE0551F4-6C62-42E5-A562-C69B050529F5}" type="datetimeFigureOut">
               <a:rPr lang="fr-FR" smtClean="0"/>
-              <a:t>26/02/2022</a:t>
+              <a:t>27/02/2022</a:t>
             </a:fld>
             <a:endParaRPr lang="fr-FR"/>
           </a:p>
@@ -1146,7 +1146,7 @@
           <a:p>
             <a:fld id="{FE0551F4-6C62-42E5-A562-C69B050529F5}" type="datetimeFigureOut">
               <a:rPr lang="fr-FR" smtClean="0"/>
-              <a:t>26/02/2022</a:t>
+              <a:t>27/02/2022</a:t>
             </a:fld>
             <a:endParaRPr lang="fr-FR"/>
           </a:p>
@@ -1411,7 +1411,7 @@
           <a:p>
             <a:fld id="{FE0551F4-6C62-42E5-A562-C69B050529F5}" type="datetimeFigureOut">
               <a:rPr lang="fr-FR" smtClean="0"/>
-              <a:t>26/02/2022</a:t>
+              <a:t>27/02/2022</a:t>
             </a:fld>
             <a:endParaRPr lang="fr-FR"/>
           </a:p>
@@ -1823,7 +1823,7 @@
           <a:p>
             <a:fld id="{FE0551F4-6C62-42E5-A562-C69B050529F5}" type="datetimeFigureOut">
               <a:rPr lang="fr-FR" smtClean="0"/>
-              <a:t>26/02/2022</a:t>
+              <a:t>27/02/2022</a:t>
             </a:fld>
             <a:endParaRPr lang="fr-FR"/>
           </a:p>
@@ -1964,7 +1964,7 @@
           <a:p>
             <a:fld id="{FE0551F4-6C62-42E5-A562-C69B050529F5}" type="datetimeFigureOut">
               <a:rPr lang="fr-FR" smtClean="0"/>
-              <a:t>26/02/2022</a:t>
+              <a:t>27/02/2022</a:t>
             </a:fld>
             <a:endParaRPr lang="fr-FR"/>
           </a:p>
@@ -2077,7 +2077,7 @@
           <a:p>
             <a:fld id="{FE0551F4-6C62-42E5-A562-C69B050529F5}" type="datetimeFigureOut">
               <a:rPr lang="fr-FR" smtClean="0"/>
-              <a:t>26/02/2022</a:t>
+              <a:t>27/02/2022</a:t>
             </a:fld>
             <a:endParaRPr lang="fr-FR"/>
           </a:p>
@@ -2388,7 +2388,7 @@
           <a:p>
             <a:fld id="{FE0551F4-6C62-42E5-A562-C69B050529F5}" type="datetimeFigureOut">
               <a:rPr lang="fr-FR" smtClean="0"/>
-              <a:t>26/02/2022</a:t>
+              <a:t>27/02/2022</a:t>
             </a:fld>
             <a:endParaRPr lang="fr-FR"/>
           </a:p>
@@ -2676,7 +2676,7 @@
           <a:p>
             <a:fld id="{FE0551F4-6C62-42E5-A562-C69B050529F5}" type="datetimeFigureOut">
               <a:rPr lang="fr-FR" smtClean="0"/>
-              <a:t>26/02/2022</a:t>
+              <a:t>27/02/2022</a:t>
             </a:fld>
             <a:endParaRPr lang="fr-FR"/>
           </a:p>
@@ -2917,7 +2917,7 @@
           <a:p>
             <a:fld id="{FE0551F4-6C62-42E5-A562-C69B050529F5}" type="datetimeFigureOut">
               <a:rPr lang="fr-FR" smtClean="0"/>
-              <a:t>26/02/2022</a:t>
+              <a:t>27/02/2022</a:t>
             </a:fld>
             <a:endParaRPr lang="fr-FR"/>
           </a:p>
@@ -3758,7 +3758,12 @@
             <p:ph type="title"/>
           </p:nvPr>
         </p:nvSpPr>
-        <p:spPr/>
+        <p:spPr>
+          <a:xfrm>
+            <a:off x="569752" y="559862"/>
+            <a:ext cx="10515600" cy="1325563"/>
+          </a:xfrm>
+        </p:spPr>
         <p:txBody>
           <a:bodyPr/>
           <a:lstStyle/>
@@ -3770,75 +3775,149 @@
           </a:p>
         </p:txBody>
       </p:sp>
-      <p:sp>
-        <p:nvSpPr>
-          <p:cNvPr id="3" name="Espace réservé du contenu 2">
-            <a:extLst>
-              <a:ext uri="{FF2B5EF4-FFF2-40B4-BE49-F238E27FC236}">
-                <a16:creationId xmlns:a16="http://schemas.microsoft.com/office/drawing/2014/main" id="{2F472399-789B-4429-983B-25A477EC5895}"/>
-              </a:ext>
-            </a:extLst>
-          </p:cNvPr>
-          <p:cNvSpPr>
-            <a:spLocks noGrp="1"/>
-          </p:cNvSpPr>
-          <p:nvPr>
-            <p:ph idx="1"/>
-          </p:nvPr>
-        </p:nvSpPr>
-        <p:spPr/>
-        <p:txBody>
-          <a:bodyPr>
-            <a:normAutofit lnSpcReduction="10000"/>
-          </a:bodyPr>
-          <a:lstStyle/>
-          <a:p>
-            <a:endParaRPr lang="fr-FR" dirty="0"/>
-          </a:p>
-          <a:p>
-            <a:r>
-              <a:rPr lang="fr-FR" dirty="0"/>
-              <a:t>Faire découvrir au joueur des éléments dans un temps imparti, avec un système de boucle qui lui permet d’analyser son environnements à chaque cycle. </a:t>
-            </a:r>
-            <a:r>
-              <a:rPr lang="fr-FR" dirty="0">
-                <a:sym typeface="Wingdings" panose="05000000000000000000" pitchFamily="2" charset="2"/>
-              </a:rPr>
-              <a:t> exploration et réflexion</a:t>
-            </a:r>
-            <a:endParaRPr lang="fr-FR" dirty="0"/>
-          </a:p>
-          <a:p>
-            <a:endParaRPr lang="fr-FR" dirty="0"/>
-          </a:p>
-          <a:p>
-            <a:r>
-              <a:rPr lang="fr-FR" dirty="0"/>
-              <a:t>Chaque niveau possède son propre rythme avec des éléments en son sein qui évolue durant la boucle </a:t>
-            </a:r>
-            <a:r>
-              <a:rPr lang="fr-FR" dirty="0">
-                <a:sym typeface="Wingdings" panose="05000000000000000000" pitchFamily="2" charset="2"/>
-              </a:rPr>
-              <a:t> apprendre et s’adapter</a:t>
-            </a:r>
-            <a:endParaRPr lang="fr-FR" dirty="0"/>
-          </a:p>
-          <a:p>
-            <a:endParaRPr lang="fr-FR" dirty="0"/>
-          </a:p>
-          <a:p>
-            <a:r>
-              <a:rPr lang="fr-FR" dirty="0"/>
-              <a:t>Certains éléments ne seraient pas impacté par la réinitialisation de la boucle </a:t>
-            </a:r>
-            <a:r>
-              <a:rPr lang="fr-FR" dirty="0">
-                <a:sym typeface="Wingdings" panose="05000000000000000000" pitchFamily="2" charset="2"/>
-              </a:rPr>
-              <a:t> nouveaux angles de réflexion</a:t>
-            </a:r>
-            <a:endParaRPr lang="fr-FR" dirty="0"/>
+      <p:pic>
+        <p:nvPicPr>
+          <p:cNvPr id="1026" name="Picture 2" descr="Image">
+            <a:extLst>
+              <a:ext uri="{FF2B5EF4-FFF2-40B4-BE49-F238E27FC236}">
+                <a16:creationId xmlns:a16="http://schemas.microsoft.com/office/drawing/2014/main" id="{1CBAF0F4-D1CA-48BE-9BB2-94F5FA5DFF0E}"/>
+              </a:ext>
+            </a:extLst>
+          </p:cNvPr>
+          <p:cNvPicPr>
+            <a:picLocks noChangeAspect="1" noChangeArrowheads="1"/>
+          </p:cNvPicPr>
+          <p:nvPr/>
+        </p:nvPicPr>
+        <p:blipFill>
+          <a:blip r:embed="rId2">
+            <a:extLst>
+              <a:ext uri="{28A0092B-C50C-407E-A947-70E740481C1C}">
+                <a14:useLocalDpi xmlns:a14="http://schemas.microsoft.com/office/drawing/2010/main" val="0"/>
+              </a:ext>
+            </a:extLst>
+          </a:blip>
+          <a:srcRect/>
+          <a:stretch>
+            <a:fillRect/>
+          </a:stretch>
+        </p:blipFill>
+        <p:spPr bwMode="auto">
+          <a:xfrm>
+            <a:off x="569752" y="2272668"/>
+            <a:ext cx="4774035" cy="3798967"/>
+          </a:xfrm>
+          <a:prstGeom prst="rect">
+            <a:avLst/>
+          </a:prstGeom>
+          <a:noFill/>
+          <a:extLst>
+            <a:ext uri="{909E8E84-426E-40DD-AFC4-6F175D3DCCD1}">
+              <a14:hiddenFill xmlns:a14="http://schemas.microsoft.com/office/drawing/2010/main">
+                <a:solidFill>
+                  <a:srgbClr val="FFFFFF"/>
+                </a:solidFill>
+              </a14:hiddenFill>
+            </a:ext>
+          </a:extLst>
+        </p:spPr>
+      </p:pic>
+      <p:pic>
+        <p:nvPicPr>
+          <p:cNvPr id="1028" name="Picture 4" descr="Image">
+            <a:extLst>
+              <a:ext uri="{FF2B5EF4-FFF2-40B4-BE49-F238E27FC236}">
+                <a16:creationId xmlns:a16="http://schemas.microsoft.com/office/drawing/2014/main" id="{599F2C92-F2BA-4BEB-93AE-A3FBBA2F1919}"/>
+              </a:ext>
+            </a:extLst>
+          </p:cNvPr>
+          <p:cNvPicPr>
+            <a:picLocks noChangeAspect="1" noChangeArrowheads="1"/>
+          </p:cNvPicPr>
+          <p:nvPr/>
+        </p:nvPicPr>
+        <p:blipFill>
+          <a:blip r:embed="rId3">
+            <a:extLst>
+              <a:ext uri="{28A0092B-C50C-407E-A947-70E740481C1C}">
+                <a14:useLocalDpi xmlns:a14="http://schemas.microsoft.com/office/drawing/2010/main" val="0"/>
+              </a:ext>
+            </a:extLst>
+          </a:blip>
+          <a:srcRect/>
+          <a:stretch>
+            <a:fillRect/>
+          </a:stretch>
+        </p:blipFill>
+        <p:spPr bwMode="auto">
+          <a:xfrm>
+            <a:off x="6052569" y="2272668"/>
+            <a:ext cx="4634741" cy="3798968"/>
+          </a:xfrm>
+          <a:prstGeom prst="rect">
+            <a:avLst/>
+          </a:prstGeom>
+          <a:noFill/>
+          <a:extLst>
+            <a:ext uri="{909E8E84-426E-40DD-AFC4-6F175D3DCCD1}">
+              <a14:hiddenFill xmlns:a14="http://schemas.microsoft.com/office/drawing/2010/main">
+                <a:solidFill>
+                  <a:srgbClr val="FFFFFF"/>
+                </a:solidFill>
+              </a14:hiddenFill>
+            </a:ext>
+          </a:extLst>
+        </p:spPr>
+      </p:pic>
+      <p:sp>
+        <p:nvSpPr>
+          <p:cNvPr id="3" name="Ellipse 2">
+            <a:extLst>
+              <a:ext uri="{FF2B5EF4-FFF2-40B4-BE49-F238E27FC236}">
+                <a16:creationId xmlns:a16="http://schemas.microsoft.com/office/drawing/2014/main" id="{DD6E9B24-D9F4-47A2-835B-D65D73CBF3D0}"/>
+              </a:ext>
+            </a:extLst>
+          </p:cNvPr>
+          <p:cNvSpPr/>
+          <p:nvPr/>
+        </p:nvSpPr>
+        <p:spPr>
+          <a:xfrm>
+            <a:off x="721453" y="2388765"/>
+            <a:ext cx="1107347" cy="1040235"/>
+          </a:xfrm>
+          <a:prstGeom prst="ellipse">
+            <a:avLst/>
+          </a:prstGeom>
+          <a:noFill/>
+          <a:ln w="76200">
+            <a:solidFill>
+              <a:srgbClr val="FF0000"/>
+            </a:solidFill>
+          </a:ln>
+        </p:spPr>
+        <p:style>
+          <a:lnRef idx="2">
+            <a:schemeClr val="accent1">
+              <a:shade val="50000"/>
+            </a:schemeClr>
+          </a:lnRef>
+          <a:fillRef idx="1">
+            <a:schemeClr val="accent1"/>
+          </a:fillRef>
+          <a:effectRef idx="0">
+            <a:schemeClr val="accent1"/>
+          </a:effectRef>
+          <a:fontRef idx="minor">
+            <a:schemeClr val="lt1"/>
+          </a:fontRef>
+        </p:style>
+        <p:txBody>
+          <a:bodyPr rtlCol="0" anchor="ctr"/>
+          <a:lstStyle/>
+          <a:p>
+            <a:pPr algn="ctr"/>
+            <a:endParaRPr lang="fr-FR"/>
           </a:p>
         </p:txBody>
       </p:sp>
